--- a/Module (4)/Module(4)-HR Questions.pptx
+++ b/Module (4)/Module(4)-HR Questions.pptx
@@ -248,7 +248,7 @@
             <a:fld id="{1D8BD707-D9CF-40AE-B4C6-C98DA3205C09}" type="datetimeFigureOut">
               <a:rPr lang="en-US"/>
               <a:pPr/>
-              <a:t>6/5/2024</a:t>
+              <a:t>7/11/2024</a:t>
             </a:fld>
             <a:endParaRPr lang="en-US"/>
           </a:p>
@@ -426,7 +426,7 @@
             <a:fld id="{1D8BD707-D9CF-40AE-B4C6-C98DA3205C09}" type="datetimeFigureOut">
               <a:rPr lang="en-US"/>
               <a:pPr/>
-              <a:t>6/5/2024</a:t>
+              <a:t>7/11/2024</a:t>
             </a:fld>
             <a:endParaRPr lang="en-US"/>
           </a:p>
@@ -643,7 +643,7 @@
             <a:fld id="{1D8BD707-D9CF-40AE-B4C6-C98DA3205C09}" type="datetimeFigureOut">
               <a:rPr lang="en-US"/>
               <a:pPr/>
-              <a:t>6/5/2024</a:t>
+              <a:t>7/11/2024</a:t>
             </a:fld>
             <a:endParaRPr lang="en-US"/>
           </a:p>
@@ -794,7 +794,7 @@
             <a:fld id="{1D8BD707-D9CF-40AE-B4C6-C98DA3205C09}" type="datetimeFigureOut">
               <a:rPr lang="en-US"/>
               <a:pPr/>
-              <a:t>6/5/2024</a:t>
+              <a:t>7/11/2024</a:t>
             </a:fld>
             <a:endParaRPr lang="en-US"/>
           </a:p>
@@ -916,7 +916,7 @@
             <a:fld id="{1D8BD707-D9CF-40AE-B4C6-C98DA3205C09}" type="datetimeFigureOut">
               <a:rPr lang="en-US"/>
               <a:pPr/>
-              <a:t>6/5/2024</a:t>
+              <a:t>7/11/2024</a:t>
             </a:fld>
             <a:endParaRPr lang="en-US"/>
           </a:p>
@@ -1142,7 +1142,7 @@
             <a:fld id="{1D8BD707-D9CF-40AE-B4C6-C98DA3205C09}" type="datetimeFigureOut">
               <a:rPr lang="en-US"/>
               <a:pPr/>
-              <a:t>6/5/2024</a:t>
+              <a:t>7/11/2024</a:t>
             </a:fld>
             <a:endParaRPr lang="en-US"/>
           </a:p>
@@ -2075,8 +2075,8 @@
         </p:nvSpPr>
         <p:spPr>
           <a:xfrm>
-            <a:off x="72000" y="1500136"/>
-            <a:ext cx="9000490" cy="4215130"/>
+            <a:off x="143510" y="1524000"/>
+            <a:ext cx="9000490" cy="1905000"/>
           </a:xfrm>
           <a:custGeom>
             <a:avLst/>
@@ -2106,14 +2106,14 @@
             </a:pathLst>
           </a:custGeom>
           <a:solidFill>
-            <a:srgbClr val="EDEBE0"/>
+            <a:schemeClr val="bg1"/>
           </a:solidFill>
         </p:spPr>
         <p:txBody>
           <a:bodyPr wrap="square" lIns="0" tIns="0" rIns="0" bIns="0" rtlCol="0"/>
           <a:lstStyle/>
           <a:p>
-            <a:endParaRPr/>
+            <a:endParaRPr lang="en-US" dirty="0"/>
           </a:p>
         </p:txBody>
       </p:sp>
@@ -2125,8 +2125,8 @@
         </p:nvSpPr>
         <p:spPr>
           <a:xfrm>
-            <a:off x="200964" y="1893168"/>
-            <a:ext cx="8771255" cy="3317875"/>
+            <a:off x="200964" y="1893169"/>
+            <a:ext cx="8771255" cy="2520562"/>
           </a:xfrm>
           <a:prstGeom prst="rect">
             <a:avLst/>
@@ -2137,6 +2137,57 @@
             <a:spAutoFit/>
           </a:bodyPr>
           <a:lstStyle/>
+          <a:p>
+            <a:r>
+              <a:rPr sz="1800" b="1" dirty="0" smtClean="0">
+                <a:latin typeface="Trebuchet MS"/>
+                <a:cs typeface="Trebuchet MS"/>
+              </a:rPr>
+              <a:t>Answer</a:t>
+            </a:r>
+            <a:r>
+              <a:rPr sz="1800" b="1" spc="-5" dirty="0" smtClean="0">
+                <a:latin typeface="Trebuchet MS"/>
+                <a:cs typeface="Trebuchet MS"/>
+              </a:rPr>
+              <a:t> </a:t>
+            </a:r>
+            <a:r>
+              <a:rPr sz="1800" b="1" dirty="0" smtClean="0">
+                <a:latin typeface="Trebuchet MS"/>
+                <a:cs typeface="Trebuchet MS"/>
+              </a:rPr>
+              <a:t>:-</a:t>
+            </a:r>
+            <a:r>
+              <a:rPr lang="en-US" sz="1800" b="1" dirty="0" smtClean="0">
+                <a:latin typeface="Trebuchet MS"/>
+                <a:cs typeface="Trebuchet MS"/>
+              </a:rPr>
+              <a:t>  </a:t>
+            </a:r>
+            <a:r>
+              <a:rPr lang="en-US" dirty="0" smtClean="0"/>
+              <a:t> </a:t>
+            </a:r>
+            <a:r>
+              <a:rPr lang="en-US" dirty="0" smtClean="0"/>
+              <a:t>My goal is aspire to transition into senior IT management role where I can lead team. Aim to enhance my knowledge in IT field. Expand my knowledge in emerging technologies</a:t>
+            </a:r>
+            <a:r>
+              <a:rPr lang="en-US" dirty="0" smtClean="0"/>
+              <a:t>.</a:t>
+            </a:r>
+          </a:p>
+          <a:p>
+            <a:endParaRPr lang="en-US" dirty="0" smtClean="0"/>
+          </a:p>
+          <a:p>
+            <a:r>
+              <a:rPr lang="en-US" dirty="0" smtClean="0"/>
+              <a:t>Focus on my software development skills by learning new programming languages and methodology. Contribute to open source project and collaborate with global community of developers.</a:t>
+            </a:r>
+          </a:p>
           <a:p>
             <a:pPr marL="12700">
               <a:lnSpc>
@@ -2150,242 +2201,157 @@
               </a:tabLst>
             </a:pPr>
             <a:r>
-              <a:rPr sz="1800" b="1" dirty="0">
-                <a:latin typeface="Trebuchet MS"/>
-                <a:cs typeface="Trebuchet MS"/>
-              </a:rPr>
-              <a:t>Answer</a:t>
-            </a:r>
-            <a:r>
-              <a:rPr sz="1800" b="1" spc="-5" dirty="0">
-                <a:latin typeface="Trebuchet MS"/>
-                <a:cs typeface="Trebuchet MS"/>
-              </a:rPr>
-              <a:t> </a:t>
-            </a:r>
-            <a:r>
-              <a:rPr sz="1800" b="1" dirty="0">
-                <a:latin typeface="Trebuchet MS"/>
-                <a:cs typeface="Trebuchet MS"/>
-              </a:rPr>
-              <a:t>:-	</a:t>
-            </a:r>
-            <a:r>
-              <a:rPr sz="1800" spc="-5" dirty="0">
-                <a:latin typeface="Trebuchet MS"/>
-                <a:cs typeface="Trebuchet MS"/>
-              </a:rPr>
-              <a:t>In</a:t>
-            </a:r>
-            <a:r>
-              <a:rPr sz="1800" spc="-10" dirty="0">
-                <a:latin typeface="Trebuchet MS"/>
-                <a:cs typeface="Trebuchet MS"/>
-              </a:rPr>
-              <a:t> </a:t>
-            </a:r>
-            <a:r>
-              <a:rPr sz="1800" spc="-5" dirty="0">
-                <a:latin typeface="Trebuchet MS"/>
-                <a:cs typeface="Trebuchet MS"/>
-              </a:rPr>
-              <a:t>five</a:t>
-            </a:r>
-            <a:r>
-              <a:rPr sz="1800" spc="5" dirty="0">
-                <a:latin typeface="Trebuchet MS"/>
-                <a:cs typeface="Trebuchet MS"/>
-              </a:rPr>
-              <a:t> </a:t>
-            </a:r>
-            <a:r>
-              <a:rPr sz="1800" spc="-5" dirty="0">
-                <a:latin typeface="Trebuchet MS"/>
-                <a:cs typeface="Trebuchet MS"/>
-              </a:rPr>
-              <a:t>years,</a:t>
-            </a:r>
-            <a:r>
-              <a:rPr sz="1800" dirty="0">
-                <a:latin typeface="Trebuchet MS"/>
-                <a:cs typeface="Trebuchet MS"/>
-              </a:rPr>
-              <a:t> I</a:t>
-            </a:r>
-            <a:r>
-              <a:rPr sz="1800" spc="-20" dirty="0">
-                <a:latin typeface="Trebuchet MS"/>
-                <a:cs typeface="Trebuchet MS"/>
-              </a:rPr>
-              <a:t> </a:t>
-            </a:r>
-            <a:r>
-              <a:rPr sz="1800" dirty="0">
-                <a:latin typeface="Trebuchet MS"/>
-                <a:cs typeface="Trebuchet MS"/>
-              </a:rPr>
-              <a:t>see</a:t>
-            </a:r>
-            <a:r>
-              <a:rPr sz="1800" spc="-5" dirty="0">
-                <a:latin typeface="Trebuchet MS"/>
-                <a:cs typeface="Trebuchet MS"/>
-              </a:rPr>
-              <a:t> </a:t>
-            </a:r>
-            <a:r>
-              <a:rPr sz="1800" dirty="0">
-                <a:latin typeface="Trebuchet MS"/>
-                <a:cs typeface="Trebuchet MS"/>
-              </a:rPr>
-              <a:t>myself</a:t>
-            </a:r>
-            <a:r>
-              <a:rPr sz="1800" spc="-25" dirty="0">
-                <a:latin typeface="Trebuchet MS"/>
-                <a:cs typeface="Trebuchet MS"/>
-              </a:rPr>
-              <a:t> </a:t>
-            </a:r>
-            <a:r>
-              <a:rPr sz="1800" spc="-5" dirty="0">
-                <a:latin typeface="Trebuchet MS"/>
-                <a:cs typeface="Trebuchet MS"/>
-              </a:rPr>
-              <a:t>as</a:t>
-            </a:r>
-            <a:r>
-              <a:rPr sz="1800" dirty="0">
-                <a:latin typeface="Trebuchet MS"/>
-                <a:cs typeface="Trebuchet MS"/>
-              </a:rPr>
-              <a:t> </a:t>
-            </a:r>
-            <a:r>
-              <a:rPr sz="1800" spc="-5" dirty="0">
-                <a:latin typeface="Trebuchet MS"/>
-                <a:cs typeface="Trebuchet MS"/>
-              </a:rPr>
-              <a:t>an</a:t>
-            </a:r>
-            <a:r>
-              <a:rPr sz="1800" spc="-10" dirty="0">
-                <a:latin typeface="Trebuchet MS"/>
-                <a:cs typeface="Trebuchet MS"/>
-              </a:rPr>
-              <a:t> </a:t>
-            </a:r>
-            <a:r>
-              <a:rPr sz="1800" spc="-5" dirty="0">
-                <a:latin typeface="Trebuchet MS"/>
-                <a:cs typeface="Trebuchet MS"/>
-              </a:rPr>
-              <a:t>integral</a:t>
-            </a:r>
-            <a:r>
-              <a:rPr sz="1800" dirty="0">
-                <a:latin typeface="Trebuchet MS"/>
-                <a:cs typeface="Trebuchet MS"/>
-              </a:rPr>
-              <a:t> </a:t>
-            </a:r>
-            <a:r>
-              <a:rPr sz="1800" spc="-5" dirty="0">
-                <a:latin typeface="Trebuchet MS"/>
-                <a:cs typeface="Trebuchet MS"/>
-              </a:rPr>
-              <a:t>part</a:t>
-            </a:r>
-            <a:r>
-              <a:rPr sz="1800" spc="-10" dirty="0">
-                <a:latin typeface="Trebuchet MS"/>
-                <a:cs typeface="Trebuchet MS"/>
-              </a:rPr>
-              <a:t> </a:t>
-            </a:r>
-            <a:r>
-              <a:rPr sz="1800" spc="-5" dirty="0">
-                <a:latin typeface="Trebuchet MS"/>
-                <a:cs typeface="Trebuchet MS"/>
-              </a:rPr>
-              <a:t>of</a:t>
-            </a:r>
-            <a:r>
-              <a:rPr sz="1800" spc="-10" dirty="0">
-                <a:latin typeface="Trebuchet MS"/>
-                <a:cs typeface="Trebuchet MS"/>
-              </a:rPr>
-              <a:t> </a:t>
-            </a:r>
-            <a:r>
-              <a:rPr sz="1800" spc="-5" dirty="0">
-                <a:latin typeface="Trebuchet MS"/>
-                <a:cs typeface="Trebuchet MS"/>
-              </a:rPr>
-              <a:t>the</a:t>
-            </a:r>
-            <a:r>
-              <a:rPr sz="1800" spc="10" dirty="0">
-                <a:latin typeface="Trebuchet MS"/>
-                <a:cs typeface="Trebuchet MS"/>
-              </a:rPr>
-              <a:t> </a:t>
-            </a:r>
-            <a:r>
-              <a:rPr sz="1800" spc="-5" dirty="0">
-                <a:latin typeface="Trebuchet MS"/>
-                <a:cs typeface="Trebuchet MS"/>
-              </a:rPr>
-              <a:t>company</a:t>
-            </a:r>
-            <a:r>
-              <a:rPr sz="1800" spc="-15" dirty="0">
-                <a:latin typeface="Trebuchet MS"/>
-                <a:cs typeface="Trebuchet MS"/>
-              </a:rPr>
-              <a:t> </a:t>
-            </a:r>
-            <a:r>
-              <a:rPr sz="1800" spc="-5" dirty="0">
-                <a:latin typeface="Trebuchet MS"/>
-                <a:cs typeface="Trebuchet MS"/>
-              </a:rPr>
-              <a:t>who</a:t>
-            </a:r>
-            <a:r>
-              <a:rPr sz="1800" spc="-10" dirty="0">
-                <a:latin typeface="Trebuchet MS"/>
-                <a:cs typeface="Trebuchet MS"/>
-              </a:rPr>
-              <a:t> </a:t>
-            </a:r>
-            <a:r>
-              <a:rPr sz="1800" spc="-5" dirty="0">
-                <a:latin typeface="Trebuchet MS"/>
-                <a:cs typeface="Trebuchet MS"/>
-              </a:rPr>
-              <a:t>has</a:t>
-            </a:r>
-            <a:endParaRPr sz="1800">
+              <a:rPr sz="1800" b="1" dirty="0" smtClean="0">
+                <a:latin typeface="Trebuchet MS"/>
+                <a:cs typeface="Trebuchet MS"/>
+              </a:rPr>
+              <a:t>	</a:t>
+            </a:r>
+            <a:endParaRPr sz="1800" dirty="0">
               <a:latin typeface="Trebuchet MS"/>
               <a:cs typeface="Trebuchet MS"/>
             </a:endParaRPr>
           </a:p>
-          <a:p>
-            <a:pPr marL="1216660">
+        </p:txBody>
+      </p:sp>
+      <p:sp>
+        <p:nvSpPr>
+          <p:cNvPr id="23" name="object 2"/>
+          <p:cNvSpPr txBox="1"/>
+          <p:nvPr/>
+        </p:nvSpPr>
+        <p:spPr>
+          <a:xfrm>
+            <a:off x="71755" y="4038600"/>
+            <a:ext cx="9000490" cy="500380"/>
+          </a:xfrm>
+          <a:prstGeom prst="rect">
+            <a:avLst/>
+          </a:prstGeom>
+          <a:ln w="25400">
+            <a:solidFill>
+              <a:srgbClr val="385D89"/>
+            </a:solidFill>
+          </a:ln>
+        </p:spPr>
+        <p:txBody>
+          <a:bodyPr vert="horz" wrap="square" lIns="0" tIns="125095" rIns="0" bIns="0" rtlCol="0">
+            <a:spAutoFit/>
+          </a:bodyPr>
+          <a:lstStyle/>
+          <a:p>
+            <a:pPr marL="90805">
               <a:lnSpc>
                 <a:spcPct val="100000"/>
               </a:lnSpc>
               <a:spcBef>
-                <a:spcPts val="1085"/>
+                <a:spcPts val="985"/>
               </a:spcBef>
             </a:pPr>
             <a:r>
+              <a:rPr sz="1800" b="1" dirty="0">
+                <a:latin typeface="Trebuchet MS"/>
+                <a:cs typeface="Trebuchet MS"/>
+              </a:rPr>
+              <a:t>Question-2</a:t>
+            </a:r>
+            <a:r>
+              <a:rPr sz="1800" b="1" spc="-45" dirty="0">
+                <a:latin typeface="Trebuchet MS"/>
+                <a:cs typeface="Trebuchet MS"/>
+              </a:rPr>
+              <a:t> </a:t>
+            </a:r>
+            <a:r>
+              <a:rPr sz="1800" b="1" spc="-5" dirty="0">
+                <a:latin typeface="Trebuchet MS"/>
+                <a:cs typeface="Trebuchet MS"/>
+              </a:rPr>
+              <a:t>:-</a:t>
+            </a:r>
+            <a:r>
+              <a:rPr sz="1800" b="1" dirty="0">
+                <a:latin typeface="Trebuchet MS"/>
+                <a:cs typeface="Trebuchet MS"/>
+              </a:rPr>
+              <a:t> </a:t>
+            </a:r>
+            <a:r>
               <a:rPr sz="1800" spc="-5" dirty="0">
                 <a:latin typeface="Trebuchet MS"/>
                 <a:cs typeface="Trebuchet MS"/>
               </a:rPr>
-              <a:t>helped</a:t>
+              <a:t>Detail</a:t>
+            </a:r>
+            <a:r>
+              <a:rPr sz="1800" spc="-20" dirty="0">
+                <a:latin typeface="Trebuchet MS"/>
+                <a:cs typeface="Trebuchet MS"/>
+              </a:rPr>
+              <a:t> </a:t>
+            </a:r>
+            <a:r>
+              <a:rPr sz="1800" spc="-5" dirty="0">
+                <a:latin typeface="Trebuchet MS"/>
+                <a:cs typeface="Trebuchet MS"/>
+              </a:rPr>
+              <a:t>the</a:t>
+            </a:r>
+            <a:r>
+              <a:rPr sz="1800" dirty="0">
+                <a:latin typeface="Trebuchet MS"/>
+                <a:cs typeface="Trebuchet MS"/>
+              </a:rPr>
+              <a:t> </a:t>
+            </a:r>
+            <a:r>
+              <a:rPr sz="1800" spc="-5" dirty="0">
+                <a:latin typeface="Trebuchet MS"/>
+                <a:cs typeface="Trebuchet MS"/>
+              </a:rPr>
+              <a:t>roles and</a:t>
+            </a:r>
+            <a:r>
+              <a:rPr sz="1800" dirty="0">
+                <a:latin typeface="Trebuchet MS"/>
+                <a:cs typeface="Trebuchet MS"/>
+              </a:rPr>
+              <a:t> </a:t>
+            </a:r>
+            <a:r>
+              <a:rPr sz="1800" spc="-5" dirty="0">
+                <a:latin typeface="Trebuchet MS"/>
+                <a:cs typeface="Trebuchet MS"/>
+              </a:rPr>
+              <a:t>industries</a:t>
+            </a:r>
+            <a:r>
+              <a:rPr sz="1800" spc="-30" dirty="0">
+                <a:latin typeface="Trebuchet MS"/>
+                <a:cs typeface="Trebuchet MS"/>
+              </a:rPr>
+              <a:t> </a:t>
+            </a:r>
+            <a:r>
+              <a:rPr sz="1800" spc="-5" dirty="0">
+                <a:latin typeface="Trebuchet MS"/>
+                <a:cs typeface="Trebuchet MS"/>
+              </a:rPr>
+              <a:t>you</a:t>
+            </a:r>
+            <a:r>
+              <a:rPr sz="1800" dirty="0">
+                <a:latin typeface="Trebuchet MS"/>
+                <a:cs typeface="Trebuchet MS"/>
+              </a:rPr>
+              <a:t> </a:t>
+            </a:r>
+            <a:r>
+              <a:rPr sz="1800" spc="-5" dirty="0">
+                <a:latin typeface="Trebuchet MS"/>
+                <a:cs typeface="Trebuchet MS"/>
+              </a:rPr>
+              <a:t>are</a:t>
             </a:r>
             <a:r>
               <a:rPr sz="1800" spc="-10" dirty="0">
@@ -2399,10 +2365,10 @@
                 <a:latin typeface="Trebuchet MS"/>
                 <a:cs typeface="Trebuchet MS"/>
               </a:rPr>
-              <a:t>contribute</a:t>
-            </a:r>
-            <a:r>
-              <a:rPr sz="1800" spc="10" dirty="0">
+              <a:t>interested</a:t>
+            </a:r>
+            <a:r>
+              <a:rPr sz="1800" spc="45" dirty="0">
                 <a:latin typeface="Trebuchet MS"/>
                 <a:cs typeface="Trebuchet MS"/>
               </a:rPr>
@@ -2413,569 +2379,101 @@
                 <a:latin typeface="Trebuchet MS"/>
                 <a:cs typeface="Trebuchet MS"/>
               </a:rPr>
-              <a:t>to the</a:t>
-            </a:r>
-            <a:r>
-              <a:rPr sz="1800" spc="10" dirty="0">
-                <a:latin typeface="Trebuchet MS"/>
-                <a:cs typeface="Trebuchet MS"/>
-              </a:rPr>
-              <a:t> </a:t>
-            </a:r>
-            <a:r>
-              <a:rPr sz="1800" spc="-5" dirty="0">
-                <a:latin typeface="Trebuchet MS"/>
-                <a:cs typeface="Trebuchet MS"/>
-              </a:rPr>
-              <a:t>growth</a:t>
-            </a:r>
-            <a:r>
-              <a:rPr sz="1800" spc="10" dirty="0">
-                <a:latin typeface="Trebuchet MS"/>
-                <a:cs typeface="Trebuchet MS"/>
-              </a:rPr>
-              <a:t> </a:t>
-            </a:r>
-            <a:r>
-              <a:rPr sz="1800" spc="-5" dirty="0">
-                <a:latin typeface="Trebuchet MS"/>
-                <a:cs typeface="Trebuchet MS"/>
-              </a:rPr>
-              <a:t>and</a:t>
-            </a:r>
-            <a:r>
-              <a:rPr sz="1800" spc="-10" dirty="0">
-                <a:latin typeface="Trebuchet MS"/>
-                <a:cs typeface="Trebuchet MS"/>
-              </a:rPr>
-              <a:t> </a:t>
-            </a:r>
-            <a:r>
-              <a:rPr sz="1800" spc="-5" dirty="0">
-                <a:latin typeface="Trebuchet MS"/>
-                <a:cs typeface="Trebuchet MS"/>
-              </a:rPr>
-              <a:t>success</a:t>
-            </a:r>
-            <a:r>
-              <a:rPr sz="1800" spc="-10" dirty="0">
-                <a:latin typeface="Trebuchet MS"/>
-                <a:cs typeface="Trebuchet MS"/>
-              </a:rPr>
-              <a:t> </a:t>
-            </a:r>
-            <a:r>
-              <a:rPr sz="1800" spc="-5" dirty="0">
-                <a:latin typeface="Trebuchet MS"/>
-                <a:cs typeface="Trebuchet MS"/>
-              </a:rPr>
-              <a:t>of the</a:t>
-            </a:r>
-            <a:r>
-              <a:rPr sz="1800" spc="10" dirty="0">
-                <a:latin typeface="Trebuchet MS"/>
-                <a:cs typeface="Trebuchet MS"/>
-              </a:rPr>
-              <a:t> </a:t>
-            </a:r>
-            <a:r>
-              <a:rPr sz="1800" spc="-10" dirty="0">
-                <a:latin typeface="Trebuchet MS"/>
-                <a:cs typeface="Trebuchet MS"/>
-              </a:rPr>
-              <a:t>organization.</a:t>
-            </a:r>
-            <a:endParaRPr sz="1800">
+              <a:t>in.</a:t>
+            </a:r>
+            <a:endParaRPr sz="1800" dirty="0">
               <a:latin typeface="Trebuchet MS"/>
               <a:cs typeface="Trebuchet MS"/>
             </a:endParaRPr>
           </a:p>
-          <a:p>
-            <a:pPr marL="1216660" marR="273050" indent="-27940">
-              <a:lnSpc>
-                <a:spcPct val="150000"/>
-              </a:lnSpc>
-              <a:tabLst>
-                <a:tab pos="1605280" algn="l"/>
-              </a:tabLst>
-            </a:pPr>
-            <a:r>
-              <a:rPr sz="1800" dirty="0">
-                <a:latin typeface="Trebuchet MS"/>
-                <a:cs typeface="Trebuchet MS"/>
-              </a:rPr>
-              <a:t>I </a:t>
-            </a:r>
-            <a:r>
-              <a:rPr sz="1800" spc="-5" dirty="0">
-                <a:latin typeface="Trebuchet MS"/>
-                <a:cs typeface="Trebuchet MS"/>
-              </a:rPr>
-              <a:t>would </a:t>
-            </a:r>
-            <a:r>
-              <a:rPr sz="1800" dirty="0">
-                <a:latin typeface="Trebuchet MS"/>
-                <a:cs typeface="Trebuchet MS"/>
-              </a:rPr>
-              <a:t>like </a:t>
-            </a:r>
-            <a:r>
-              <a:rPr sz="1800" spc="-5" dirty="0">
-                <a:latin typeface="Trebuchet MS"/>
-                <a:cs typeface="Trebuchet MS"/>
-              </a:rPr>
-              <a:t>to continue developing my skills and knowledge in order to </a:t>
-            </a:r>
-            <a:r>
-              <a:rPr sz="1800" spc="-530" dirty="0">
+        </p:txBody>
+      </p:sp>
+      <p:sp>
+        <p:nvSpPr>
+          <p:cNvPr id="24" name="Rectangle 23"/>
+          <p:cNvSpPr/>
+          <p:nvPr/>
+        </p:nvSpPr>
+        <p:spPr>
+          <a:xfrm>
+            <a:off x="152400" y="4648200"/>
+            <a:ext cx="8839200" cy="1477328"/>
+          </a:xfrm>
+          <a:prstGeom prst="rect">
+            <a:avLst/>
+          </a:prstGeom>
+        </p:spPr>
+        <p:txBody>
+          <a:bodyPr wrap="square">
+            <a:spAutoFit/>
+          </a:bodyPr>
+          <a:lstStyle/>
+          <a:p>
+            <a:r>
+              <a:rPr lang="en-US" b="1" dirty="0" smtClean="0">
+                <a:latin typeface="Trebuchet MS"/>
+                <a:cs typeface="Trebuchet MS"/>
+              </a:rPr>
+              <a:t>Answer</a:t>
+            </a:r>
+            <a:r>
+              <a:rPr lang="en-US" b="1" spc="-5" dirty="0" smtClean="0">
                 <a:latin typeface="Trebuchet MS"/>
                 <a:cs typeface="Trebuchet MS"/>
               </a:rPr>
               <a:t> </a:t>
             </a:r>
             <a:r>
-              <a:rPr sz="1800" dirty="0">
-                <a:latin typeface="Trebuchet MS"/>
-                <a:cs typeface="Trebuchet MS"/>
-              </a:rPr>
-              <a:t>be	</a:t>
-            </a:r>
-            <a:r>
-              <a:rPr sz="1800" spc="-5" dirty="0">
-                <a:latin typeface="Trebuchet MS"/>
-                <a:cs typeface="Trebuchet MS"/>
-              </a:rPr>
-              <a:t>able</a:t>
-            </a:r>
-            <a:r>
-              <a:rPr sz="1800" spc="-20" dirty="0">
-                <a:latin typeface="Trebuchet MS"/>
-                <a:cs typeface="Trebuchet MS"/>
-              </a:rPr>
-              <a:t> </a:t>
-            </a:r>
-            <a:r>
-              <a:rPr sz="1800" spc="-5" dirty="0">
-                <a:latin typeface="Trebuchet MS"/>
-                <a:cs typeface="Trebuchet MS"/>
-              </a:rPr>
-              <a:t>to take</a:t>
-            </a:r>
-            <a:r>
-              <a:rPr sz="1800" spc="10" dirty="0">
-                <a:latin typeface="Trebuchet MS"/>
-                <a:cs typeface="Trebuchet MS"/>
-              </a:rPr>
-              <a:t> </a:t>
-            </a:r>
-            <a:r>
-              <a:rPr sz="1800" spc="-5" dirty="0">
-                <a:latin typeface="Trebuchet MS"/>
-                <a:cs typeface="Trebuchet MS"/>
-              </a:rPr>
-              <a:t>on more</a:t>
-            </a:r>
-            <a:endParaRPr sz="1800">
+              <a:rPr lang="en-US" b="1" dirty="0" smtClean="0">
+                <a:latin typeface="Trebuchet MS"/>
+                <a:cs typeface="Trebuchet MS"/>
+              </a:rPr>
+              <a:t>:- </a:t>
+            </a:r>
+            <a:r>
+              <a:rPr lang="en-US" dirty="0" smtClean="0"/>
+              <a:t>I am software developer, I have good understanding in software development life cycle, problem solving skills, and many more</a:t>
+            </a:r>
+            <a:r>
+              <a:rPr lang="en-US" dirty="0" smtClean="0"/>
+              <a:t>.</a:t>
+            </a:r>
+          </a:p>
+          <a:p>
+            <a:endParaRPr lang="en-US" b="1" dirty="0" smtClean="0">
               <a:latin typeface="Trebuchet MS"/>
               <a:cs typeface="Trebuchet MS"/>
             </a:endParaRPr>
           </a:p>
           <a:p>
-            <a:pPr marL="1189355">
-              <a:lnSpc>
-                <a:spcPct val="100000"/>
-              </a:lnSpc>
-              <a:spcBef>
-                <a:spcPts val="1080"/>
-              </a:spcBef>
-            </a:pPr>
-            <a:r>
-              <a:rPr sz="1800" spc="-5" dirty="0">
-                <a:latin typeface="Trebuchet MS"/>
-                <a:cs typeface="Trebuchet MS"/>
-              </a:rPr>
-              <a:t>responsibility</a:t>
-            </a:r>
-            <a:r>
-              <a:rPr sz="1800" spc="-45" dirty="0">
-                <a:latin typeface="Trebuchet MS"/>
-                <a:cs typeface="Trebuchet MS"/>
-              </a:rPr>
+            <a:r>
+              <a:rPr lang="en-US" dirty="0" smtClean="0"/>
+              <a:t>I </a:t>
+            </a:r>
+            <a:r>
+              <a:rPr lang="en-US" dirty="0" smtClean="0"/>
+              <a:t>want to work in industries  like , </a:t>
+            </a:r>
+            <a:endParaRPr lang="en-US" dirty="0" smtClean="0"/>
+          </a:p>
+          <a:p>
+            <a:r>
+              <a:rPr lang="en-US" dirty="0" smtClean="0"/>
+              <a:t>Healthcare</a:t>
+            </a:r>
+            <a:r>
+              <a:rPr lang="en-US" dirty="0" smtClean="0"/>
+              <a:t>, E – Commerce, Financial Services, Educations</a:t>
+            </a:r>
+            <a:r>
+              <a:rPr lang="en-US" dirty="0" smtClean="0"/>
+              <a:t>.</a:t>
+            </a:r>
+            <a:r>
+              <a:rPr lang="en-US" dirty="0" smtClean="0"/>
               <a:t> </a:t>
             </a:r>
-            <a:r>
-              <a:rPr sz="1800" spc="-5" dirty="0">
-                <a:latin typeface="Trebuchet MS"/>
-                <a:cs typeface="Trebuchet MS"/>
-              </a:rPr>
-              <a:t>within</a:t>
-            </a:r>
-            <a:r>
-              <a:rPr sz="1800" spc="-15" dirty="0">
-                <a:latin typeface="Trebuchet MS"/>
-                <a:cs typeface="Trebuchet MS"/>
-              </a:rPr>
-              <a:t> </a:t>
-            </a:r>
-            <a:r>
-              <a:rPr sz="1800" spc="-5" dirty="0">
-                <a:latin typeface="Trebuchet MS"/>
-                <a:cs typeface="Trebuchet MS"/>
-              </a:rPr>
-              <a:t>the</a:t>
-            </a:r>
-            <a:r>
-              <a:rPr sz="1800" spc="-20" dirty="0">
-                <a:latin typeface="Trebuchet MS"/>
-                <a:cs typeface="Trebuchet MS"/>
-              </a:rPr>
-              <a:t> </a:t>
-            </a:r>
-            <a:r>
-              <a:rPr sz="1800" spc="-30" dirty="0">
-                <a:latin typeface="Trebuchet MS"/>
-                <a:cs typeface="Trebuchet MS"/>
-              </a:rPr>
-              <a:t>company.</a:t>
-            </a:r>
-            <a:endParaRPr sz="1800">
-              <a:latin typeface="Trebuchet MS"/>
-              <a:cs typeface="Trebuchet MS"/>
-            </a:endParaRPr>
-          </a:p>
-          <a:p>
-            <a:pPr marL="3249930" marR="5080" indent="-2111375">
-              <a:lnSpc>
-                <a:spcPct val="150000"/>
-              </a:lnSpc>
-            </a:pPr>
-            <a:r>
-              <a:rPr sz="1800" spc="-5" dirty="0">
-                <a:latin typeface="Trebuchet MS"/>
-                <a:cs typeface="Trebuchet MS"/>
-              </a:rPr>
-              <a:t>I’m</a:t>
-            </a:r>
-            <a:r>
-              <a:rPr sz="1800" spc="5" dirty="0">
-                <a:latin typeface="Trebuchet MS"/>
-                <a:cs typeface="Trebuchet MS"/>
-              </a:rPr>
-              <a:t> </a:t>
-            </a:r>
-            <a:r>
-              <a:rPr sz="1800" spc="-5" dirty="0">
-                <a:latin typeface="Trebuchet MS"/>
-                <a:cs typeface="Trebuchet MS"/>
-              </a:rPr>
-              <a:t>also</a:t>
-            </a:r>
-            <a:r>
-              <a:rPr sz="1800" spc="-25" dirty="0">
-                <a:latin typeface="Trebuchet MS"/>
-                <a:cs typeface="Trebuchet MS"/>
-              </a:rPr>
-              <a:t> </a:t>
-            </a:r>
-            <a:r>
-              <a:rPr sz="1800" spc="-5" dirty="0">
-                <a:latin typeface="Trebuchet MS"/>
-                <a:cs typeface="Trebuchet MS"/>
-              </a:rPr>
-              <a:t>looking</a:t>
-            </a:r>
-            <a:r>
-              <a:rPr sz="1800" dirty="0">
-                <a:latin typeface="Trebuchet MS"/>
-                <a:cs typeface="Trebuchet MS"/>
-              </a:rPr>
-              <a:t> </a:t>
-            </a:r>
-            <a:r>
-              <a:rPr sz="1800" spc="-5" dirty="0">
-                <a:latin typeface="Trebuchet MS"/>
-                <a:cs typeface="Trebuchet MS"/>
-              </a:rPr>
-              <a:t>forward</a:t>
-            </a:r>
-            <a:r>
-              <a:rPr sz="1800" dirty="0">
-                <a:latin typeface="Trebuchet MS"/>
-                <a:cs typeface="Trebuchet MS"/>
-              </a:rPr>
-              <a:t> </a:t>
-            </a:r>
-            <a:r>
-              <a:rPr sz="1800" spc="-5" dirty="0">
-                <a:latin typeface="Trebuchet MS"/>
-                <a:cs typeface="Trebuchet MS"/>
-              </a:rPr>
-              <a:t>to</a:t>
-            </a:r>
-            <a:r>
-              <a:rPr sz="1800" dirty="0">
-                <a:latin typeface="Trebuchet MS"/>
-                <a:cs typeface="Trebuchet MS"/>
-              </a:rPr>
-              <a:t> </a:t>
-            </a:r>
-            <a:r>
-              <a:rPr sz="1800" spc="-5" dirty="0">
-                <a:latin typeface="Trebuchet MS"/>
-                <a:cs typeface="Trebuchet MS"/>
-              </a:rPr>
-              <a:t>taking </a:t>
-            </a:r>
-            <a:r>
-              <a:rPr sz="1800" spc="-10" dirty="0">
-                <a:latin typeface="Trebuchet MS"/>
-                <a:cs typeface="Trebuchet MS"/>
-              </a:rPr>
-              <a:t>on</a:t>
-            </a:r>
-            <a:r>
-              <a:rPr sz="1800" dirty="0">
-                <a:latin typeface="Trebuchet MS"/>
-                <a:cs typeface="Trebuchet MS"/>
-              </a:rPr>
-              <a:t> </a:t>
-            </a:r>
-            <a:r>
-              <a:rPr sz="1800" spc="-5" dirty="0">
-                <a:latin typeface="Trebuchet MS"/>
-                <a:cs typeface="Trebuchet MS"/>
-              </a:rPr>
-              <a:t>more</a:t>
-            </a:r>
-            <a:r>
-              <a:rPr sz="1800" spc="5" dirty="0">
-                <a:latin typeface="Trebuchet MS"/>
-                <a:cs typeface="Trebuchet MS"/>
-              </a:rPr>
-              <a:t> </a:t>
-            </a:r>
-            <a:r>
-              <a:rPr sz="1800" spc="-5" dirty="0">
-                <a:latin typeface="Trebuchet MS"/>
-                <a:cs typeface="Trebuchet MS"/>
-              </a:rPr>
-              <a:t>leadership</a:t>
-            </a:r>
-            <a:r>
-              <a:rPr sz="1800" spc="-15" dirty="0">
-                <a:latin typeface="Trebuchet MS"/>
-                <a:cs typeface="Trebuchet MS"/>
-              </a:rPr>
-              <a:t> </a:t>
-            </a:r>
-            <a:r>
-              <a:rPr sz="1800" spc="-5" dirty="0">
-                <a:latin typeface="Trebuchet MS"/>
-                <a:cs typeface="Trebuchet MS"/>
-              </a:rPr>
-              <a:t>roles</a:t>
-            </a:r>
-            <a:r>
-              <a:rPr sz="1800" spc="-10" dirty="0">
-                <a:latin typeface="Trebuchet MS"/>
-                <a:cs typeface="Trebuchet MS"/>
-              </a:rPr>
-              <a:t> </a:t>
-            </a:r>
-            <a:r>
-              <a:rPr sz="1800" spc="-5" dirty="0">
-                <a:latin typeface="Trebuchet MS"/>
-                <a:cs typeface="Trebuchet MS"/>
-              </a:rPr>
-              <a:t>and</a:t>
-            </a:r>
-            <a:r>
-              <a:rPr sz="1800" spc="5" dirty="0">
-                <a:latin typeface="Trebuchet MS"/>
-                <a:cs typeface="Trebuchet MS"/>
-              </a:rPr>
-              <a:t> </a:t>
-            </a:r>
-            <a:r>
-              <a:rPr sz="1800" spc="-5" dirty="0">
-                <a:latin typeface="Trebuchet MS"/>
-                <a:cs typeface="Trebuchet MS"/>
-              </a:rPr>
-              <a:t>mentoring </a:t>
-            </a:r>
-            <a:r>
-              <a:rPr sz="1800" spc="-525" dirty="0">
-                <a:latin typeface="Trebuchet MS"/>
-                <a:cs typeface="Trebuchet MS"/>
-              </a:rPr>
-              <a:t> </a:t>
-            </a:r>
-            <a:r>
-              <a:rPr sz="1800" spc="-5" dirty="0">
-                <a:latin typeface="Trebuchet MS"/>
-                <a:cs typeface="Trebuchet MS"/>
-              </a:rPr>
-              <a:t>other</a:t>
-            </a:r>
-            <a:r>
-              <a:rPr sz="1800" spc="-15" dirty="0">
-                <a:latin typeface="Trebuchet MS"/>
-                <a:cs typeface="Trebuchet MS"/>
-              </a:rPr>
-              <a:t> </a:t>
-            </a:r>
-            <a:r>
-              <a:rPr sz="1800" spc="-5" dirty="0">
-                <a:latin typeface="Trebuchet MS"/>
-                <a:cs typeface="Trebuchet MS"/>
-              </a:rPr>
-              <a:t>members of</a:t>
-            </a:r>
-            <a:r>
-              <a:rPr sz="1800" spc="-10" dirty="0">
-                <a:latin typeface="Trebuchet MS"/>
-                <a:cs typeface="Trebuchet MS"/>
-              </a:rPr>
-              <a:t> the</a:t>
-            </a:r>
-            <a:endParaRPr sz="1800">
-              <a:latin typeface="Trebuchet MS"/>
-              <a:cs typeface="Trebuchet MS"/>
-            </a:endParaRPr>
-          </a:p>
-          <a:p>
-            <a:pPr marL="553720">
-              <a:lnSpc>
-                <a:spcPct val="100000"/>
-              </a:lnSpc>
-              <a:spcBef>
-                <a:spcPts val="1080"/>
-              </a:spcBef>
-            </a:pPr>
-            <a:r>
-              <a:rPr sz="1800" spc="-5" dirty="0">
-                <a:latin typeface="Trebuchet MS"/>
-                <a:cs typeface="Trebuchet MS"/>
-              </a:rPr>
-              <a:t>team</a:t>
-            </a:r>
-            <a:r>
-              <a:rPr sz="1800" spc="15" dirty="0">
-                <a:latin typeface="Trebuchet MS"/>
-                <a:cs typeface="Trebuchet MS"/>
-              </a:rPr>
-              <a:t> </a:t>
-            </a:r>
-            <a:r>
-              <a:rPr sz="1800" dirty="0">
-                <a:latin typeface="Trebuchet MS"/>
-                <a:cs typeface="Trebuchet MS"/>
-              </a:rPr>
-              <a:t>by</a:t>
-            </a:r>
-            <a:r>
-              <a:rPr sz="1800" spc="-10" dirty="0">
-                <a:latin typeface="Trebuchet MS"/>
-                <a:cs typeface="Trebuchet MS"/>
-              </a:rPr>
-              <a:t> </a:t>
-            </a:r>
-            <a:r>
-              <a:rPr sz="1800" spc="-5" dirty="0">
-                <a:latin typeface="Trebuchet MS"/>
-                <a:cs typeface="Trebuchet MS"/>
-              </a:rPr>
-              <a:t>utilizing</a:t>
-            </a:r>
-            <a:r>
-              <a:rPr sz="1800" spc="5" dirty="0">
-                <a:latin typeface="Trebuchet MS"/>
-                <a:cs typeface="Trebuchet MS"/>
-              </a:rPr>
-              <a:t> </a:t>
-            </a:r>
-            <a:r>
-              <a:rPr sz="1800" spc="-5" dirty="0">
-                <a:latin typeface="Trebuchet MS"/>
-                <a:cs typeface="Trebuchet MS"/>
-              </a:rPr>
-              <a:t>the</a:t>
-            </a:r>
-            <a:r>
-              <a:rPr sz="1800" dirty="0">
-                <a:latin typeface="Trebuchet MS"/>
-                <a:cs typeface="Trebuchet MS"/>
-              </a:rPr>
-              <a:t> </a:t>
-            </a:r>
-            <a:r>
-              <a:rPr sz="1800" spc="-5" dirty="0">
-                <a:latin typeface="Trebuchet MS"/>
-                <a:cs typeface="Trebuchet MS"/>
-              </a:rPr>
-              <a:t>leadership and</a:t>
-            </a:r>
-            <a:r>
-              <a:rPr sz="1800" spc="10" dirty="0">
-                <a:latin typeface="Trebuchet MS"/>
-                <a:cs typeface="Trebuchet MS"/>
-              </a:rPr>
-              <a:t> </a:t>
-            </a:r>
-            <a:r>
-              <a:rPr sz="1800" spc="-5" dirty="0">
-                <a:latin typeface="Trebuchet MS"/>
-                <a:cs typeface="Trebuchet MS"/>
-              </a:rPr>
-              <a:t>mentorship</a:t>
-            </a:r>
-            <a:r>
-              <a:rPr sz="1800" spc="15" dirty="0">
-                <a:latin typeface="Trebuchet MS"/>
-                <a:cs typeface="Trebuchet MS"/>
-              </a:rPr>
-              <a:t> </a:t>
-            </a:r>
-            <a:r>
-              <a:rPr sz="1800" spc="-10" dirty="0">
-                <a:latin typeface="Trebuchet MS"/>
-                <a:cs typeface="Trebuchet MS"/>
-              </a:rPr>
-              <a:t>certifications</a:t>
-            </a:r>
-            <a:r>
-              <a:rPr sz="1800" dirty="0">
-                <a:latin typeface="Trebuchet MS"/>
-                <a:cs typeface="Trebuchet MS"/>
-              </a:rPr>
-              <a:t> </a:t>
-            </a:r>
-            <a:r>
-              <a:rPr sz="1800" spc="-5" dirty="0">
-                <a:latin typeface="Trebuchet MS"/>
-                <a:cs typeface="Trebuchet MS"/>
-              </a:rPr>
-              <a:t>I’ve</a:t>
-            </a:r>
-            <a:r>
-              <a:rPr sz="1800" spc="65" dirty="0">
-                <a:latin typeface="Trebuchet MS"/>
-                <a:cs typeface="Trebuchet MS"/>
-              </a:rPr>
-              <a:t> </a:t>
-            </a:r>
-            <a:r>
-              <a:rPr sz="1800" spc="-5" dirty="0">
-                <a:latin typeface="Trebuchet MS"/>
-                <a:cs typeface="Trebuchet MS"/>
-              </a:rPr>
-              <a:t>completed.”</a:t>
-            </a:r>
-            <a:endParaRPr sz="1800">
-              <a:latin typeface="Trebuchet MS"/>
-              <a:cs typeface="Trebuchet MS"/>
-            </a:endParaRPr>
+            <a:endParaRPr lang="en-US" dirty="0"/>
           </a:p>
         </p:txBody>
       </p:sp>
@@ -3006,556 +2504,13 @@
       </p:grpSpPr>
       <p:sp>
         <p:nvSpPr>
-          <p:cNvPr id="2" name="object 2"/>
-          <p:cNvSpPr txBox="1"/>
-          <p:nvPr/>
-        </p:nvSpPr>
-        <p:spPr>
-          <a:xfrm>
-            <a:off x="72000" y="142811"/>
-            <a:ext cx="9000490" cy="500380"/>
-          </a:xfrm>
-          <a:prstGeom prst="rect">
-            <a:avLst/>
-          </a:prstGeom>
-          <a:ln w="25400">
-            <a:solidFill>
-              <a:srgbClr val="385D89"/>
-            </a:solidFill>
-          </a:ln>
-        </p:spPr>
-        <p:txBody>
-          <a:bodyPr vert="horz" wrap="square" lIns="0" tIns="125095" rIns="0" bIns="0" rtlCol="0">
-            <a:spAutoFit/>
-          </a:bodyPr>
-          <a:lstStyle/>
-          <a:p>
-            <a:pPr marL="90805">
-              <a:lnSpc>
-                <a:spcPct val="100000"/>
-              </a:lnSpc>
-              <a:spcBef>
-                <a:spcPts val="985"/>
-              </a:spcBef>
-            </a:pPr>
-            <a:r>
-              <a:rPr sz="1800" b="1" dirty="0">
-                <a:latin typeface="Trebuchet MS"/>
-                <a:cs typeface="Trebuchet MS"/>
-              </a:rPr>
-              <a:t>Question-2</a:t>
-            </a:r>
-            <a:r>
-              <a:rPr sz="1800" b="1" spc="-45" dirty="0">
-                <a:latin typeface="Trebuchet MS"/>
-                <a:cs typeface="Trebuchet MS"/>
-              </a:rPr>
-              <a:t> </a:t>
-            </a:r>
-            <a:r>
-              <a:rPr sz="1800" b="1" spc="-5" dirty="0">
-                <a:latin typeface="Trebuchet MS"/>
-                <a:cs typeface="Trebuchet MS"/>
-              </a:rPr>
-              <a:t>:-</a:t>
-            </a:r>
-            <a:r>
-              <a:rPr sz="1800" b="1" dirty="0">
-                <a:latin typeface="Trebuchet MS"/>
-                <a:cs typeface="Trebuchet MS"/>
-              </a:rPr>
-              <a:t> </a:t>
-            </a:r>
-            <a:r>
-              <a:rPr sz="1800" spc="-5" dirty="0">
-                <a:latin typeface="Trebuchet MS"/>
-                <a:cs typeface="Trebuchet MS"/>
-              </a:rPr>
-              <a:t>Detail</a:t>
-            </a:r>
-            <a:r>
-              <a:rPr sz="1800" spc="-20" dirty="0">
-                <a:latin typeface="Trebuchet MS"/>
-                <a:cs typeface="Trebuchet MS"/>
-              </a:rPr>
-              <a:t> </a:t>
-            </a:r>
-            <a:r>
-              <a:rPr sz="1800" spc="-5" dirty="0">
-                <a:latin typeface="Trebuchet MS"/>
-                <a:cs typeface="Trebuchet MS"/>
-              </a:rPr>
-              <a:t>the</a:t>
-            </a:r>
-            <a:r>
-              <a:rPr sz="1800" dirty="0">
-                <a:latin typeface="Trebuchet MS"/>
-                <a:cs typeface="Trebuchet MS"/>
-              </a:rPr>
-              <a:t> </a:t>
-            </a:r>
-            <a:r>
-              <a:rPr sz="1800" spc="-5" dirty="0">
-                <a:latin typeface="Trebuchet MS"/>
-                <a:cs typeface="Trebuchet MS"/>
-              </a:rPr>
-              <a:t>roles and</a:t>
-            </a:r>
-            <a:r>
-              <a:rPr sz="1800" dirty="0">
-                <a:latin typeface="Trebuchet MS"/>
-                <a:cs typeface="Trebuchet MS"/>
-              </a:rPr>
-              <a:t> </a:t>
-            </a:r>
-            <a:r>
-              <a:rPr sz="1800" spc="-5" dirty="0">
-                <a:latin typeface="Trebuchet MS"/>
-                <a:cs typeface="Trebuchet MS"/>
-              </a:rPr>
-              <a:t>industries</a:t>
-            </a:r>
-            <a:r>
-              <a:rPr sz="1800" spc="-30" dirty="0">
-                <a:latin typeface="Trebuchet MS"/>
-                <a:cs typeface="Trebuchet MS"/>
-              </a:rPr>
-              <a:t> </a:t>
-            </a:r>
-            <a:r>
-              <a:rPr sz="1800" spc="-5" dirty="0">
-                <a:latin typeface="Trebuchet MS"/>
-                <a:cs typeface="Trebuchet MS"/>
-              </a:rPr>
-              <a:t>you</a:t>
-            </a:r>
-            <a:r>
-              <a:rPr sz="1800" dirty="0">
-                <a:latin typeface="Trebuchet MS"/>
-                <a:cs typeface="Trebuchet MS"/>
-              </a:rPr>
-              <a:t> </a:t>
-            </a:r>
-            <a:r>
-              <a:rPr sz="1800" spc="-5" dirty="0">
-                <a:latin typeface="Trebuchet MS"/>
-                <a:cs typeface="Trebuchet MS"/>
-              </a:rPr>
-              <a:t>are</a:t>
-            </a:r>
-            <a:r>
-              <a:rPr sz="1800" spc="-10" dirty="0">
-                <a:latin typeface="Trebuchet MS"/>
-                <a:cs typeface="Trebuchet MS"/>
-              </a:rPr>
-              <a:t> </a:t>
-            </a:r>
-            <a:r>
-              <a:rPr sz="1800" spc="-5" dirty="0">
-                <a:latin typeface="Trebuchet MS"/>
-                <a:cs typeface="Trebuchet MS"/>
-              </a:rPr>
-              <a:t>interested</a:t>
-            </a:r>
-            <a:r>
-              <a:rPr sz="1800" spc="45" dirty="0">
-                <a:latin typeface="Trebuchet MS"/>
-                <a:cs typeface="Trebuchet MS"/>
-              </a:rPr>
-              <a:t> </a:t>
-            </a:r>
-            <a:r>
-              <a:rPr sz="1800" spc="-5" dirty="0">
-                <a:latin typeface="Trebuchet MS"/>
-                <a:cs typeface="Trebuchet MS"/>
-              </a:rPr>
-              <a:t>in.</a:t>
-            </a:r>
-            <a:endParaRPr sz="1800">
-              <a:latin typeface="Trebuchet MS"/>
-              <a:cs typeface="Trebuchet MS"/>
-            </a:endParaRPr>
-          </a:p>
-        </p:txBody>
-      </p:sp>
-      <p:sp>
-        <p:nvSpPr>
-          <p:cNvPr id="3" name="object 3"/>
-          <p:cNvSpPr/>
-          <p:nvPr/>
-        </p:nvSpPr>
-        <p:spPr>
-          <a:xfrm>
-            <a:off x="71422" y="857237"/>
-            <a:ext cx="9001125" cy="1143635"/>
-          </a:xfrm>
-          <a:custGeom>
-            <a:avLst/>
-            <a:gdLst/>
-            <a:ahLst/>
-            <a:cxnLst/>
-            <a:rect l="l" t="t" r="r" b="b"/>
-            <a:pathLst>
-              <a:path w="9001125" h="1143635">
-                <a:moveTo>
-                  <a:pt x="9001125" y="0"/>
-                </a:moveTo>
-                <a:lnTo>
-                  <a:pt x="0" y="0"/>
-                </a:lnTo>
-                <a:lnTo>
-                  <a:pt x="0" y="1143012"/>
-                </a:lnTo>
-                <a:lnTo>
-                  <a:pt x="9001125" y="1143012"/>
-                </a:lnTo>
-                <a:lnTo>
-                  <a:pt x="9001125" y="0"/>
-                </a:lnTo>
-                <a:close/>
-              </a:path>
-            </a:pathLst>
-          </a:custGeom>
-          <a:solidFill>
-            <a:srgbClr val="EDEBE0"/>
-          </a:solidFill>
-        </p:spPr>
-        <p:txBody>
-          <a:bodyPr wrap="square" lIns="0" tIns="0" rIns="0" bIns="0" rtlCol="0"/>
-          <a:lstStyle/>
-          <a:p>
-            <a:endParaRPr/>
-          </a:p>
-        </p:txBody>
-      </p:sp>
-      <p:sp>
-        <p:nvSpPr>
-          <p:cNvPr id="4" name="object 4"/>
-          <p:cNvSpPr txBox="1"/>
-          <p:nvPr/>
-        </p:nvSpPr>
-        <p:spPr>
-          <a:xfrm>
-            <a:off x="150063" y="742568"/>
-            <a:ext cx="8559165" cy="1260475"/>
-          </a:xfrm>
-          <a:prstGeom prst="rect">
-            <a:avLst/>
-          </a:prstGeom>
-        </p:spPr>
-        <p:txBody>
-          <a:bodyPr vert="horz" wrap="square" lIns="0" tIns="12700" rIns="0" bIns="0" rtlCol="0">
-            <a:spAutoFit/>
-          </a:bodyPr>
-          <a:lstStyle/>
-          <a:p>
-            <a:pPr marL="12700" marR="5080" indent="53340">
-              <a:lnSpc>
-                <a:spcPct val="150000"/>
-              </a:lnSpc>
-              <a:spcBef>
-                <a:spcPts val="100"/>
-              </a:spcBef>
-              <a:tabLst>
-                <a:tab pos="1227455" algn="l"/>
-              </a:tabLst>
-            </a:pPr>
-            <a:r>
-              <a:rPr sz="1800" b="1" dirty="0">
-                <a:latin typeface="Trebuchet MS"/>
-                <a:cs typeface="Trebuchet MS"/>
-              </a:rPr>
-              <a:t>Answer</a:t>
-            </a:r>
-            <a:r>
-              <a:rPr sz="1800" b="1" spc="-5" dirty="0">
-                <a:latin typeface="Trebuchet MS"/>
-                <a:cs typeface="Trebuchet MS"/>
-              </a:rPr>
-              <a:t> </a:t>
-            </a:r>
-            <a:r>
-              <a:rPr sz="1800" b="1" dirty="0">
-                <a:latin typeface="Trebuchet MS"/>
-                <a:cs typeface="Trebuchet MS"/>
-              </a:rPr>
-              <a:t>:-	</a:t>
-            </a:r>
-            <a:r>
-              <a:rPr sz="1800" dirty="0">
-                <a:latin typeface="Trebuchet MS"/>
-                <a:cs typeface="Trebuchet MS"/>
-              </a:rPr>
-              <a:t>I </a:t>
-            </a:r>
-            <a:r>
-              <a:rPr sz="1800" spc="-5" dirty="0">
-                <a:latin typeface="Trebuchet MS"/>
-                <a:cs typeface="Trebuchet MS"/>
-              </a:rPr>
-              <a:t>want to work </a:t>
-            </a:r>
-            <a:r>
-              <a:rPr sz="1800" dirty="0">
-                <a:latin typeface="Trebuchet MS"/>
-                <a:cs typeface="Trebuchet MS"/>
-              </a:rPr>
-              <a:t>at </a:t>
-            </a:r>
-            <a:r>
-              <a:rPr sz="1800" spc="-5" dirty="0">
-                <a:latin typeface="Trebuchet MS"/>
-                <a:cs typeface="Trebuchet MS"/>
-              </a:rPr>
-              <a:t>Company because I'm passionate about </a:t>
-            </a:r>
-            <a:r>
-              <a:rPr sz="1800" spc="-30" dirty="0">
-                <a:latin typeface="Trebuchet MS"/>
-                <a:cs typeface="Trebuchet MS"/>
-              </a:rPr>
-              <a:t>industry. </a:t>
-            </a:r>
-            <a:r>
-              <a:rPr sz="1800" spc="-5" dirty="0">
-                <a:latin typeface="Trebuchet MS"/>
-                <a:cs typeface="Trebuchet MS"/>
-              </a:rPr>
-              <a:t>Over </a:t>
-            </a:r>
-            <a:r>
-              <a:rPr sz="1800" spc="-530" dirty="0">
-                <a:latin typeface="Trebuchet MS"/>
-                <a:cs typeface="Trebuchet MS"/>
-              </a:rPr>
-              <a:t> </a:t>
-            </a:r>
-            <a:r>
-              <a:rPr sz="1800" spc="-5" dirty="0">
-                <a:latin typeface="Trebuchet MS"/>
-                <a:cs typeface="Trebuchet MS"/>
-              </a:rPr>
-              <a:t>the next</a:t>
-            </a:r>
-            <a:r>
-              <a:rPr sz="1800" spc="-10" dirty="0">
-                <a:latin typeface="Trebuchet MS"/>
-                <a:cs typeface="Trebuchet MS"/>
-              </a:rPr>
-              <a:t> </a:t>
-            </a:r>
-            <a:r>
-              <a:rPr sz="1800" spc="-5" dirty="0">
-                <a:latin typeface="Trebuchet MS"/>
-                <a:cs typeface="Trebuchet MS"/>
-              </a:rPr>
-              <a:t>five</a:t>
-            </a:r>
-            <a:r>
-              <a:rPr sz="1800" spc="5" dirty="0">
-                <a:latin typeface="Trebuchet MS"/>
-                <a:cs typeface="Trebuchet MS"/>
-              </a:rPr>
-              <a:t> </a:t>
-            </a:r>
-            <a:r>
-              <a:rPr sz="1800" spc="-5" dirty="0">
-                <a:latin typeface="Trebuchet MS"/>
-                <a:cs typeface="Trebuchet MS"/>
-              </a:rPr>
-              <a:t>years,</a:t>
-            </a:r>
-            <a:r>
-              <a:rPr sz="1800" spc="5" dirty="0">
-                <a:latin typeface="Trebuchet MS"/>
-                <a:cs typeface="Trebuchet MS"/>
-              </a:rPr>
-              <a:t> </a:t>
-            </a:r>
-            <a:r>
-              <a:rPr sz="1800" dirty="0">
-                <a:latin typeface="Trebuchet MS"/>
-                <a:cs typeface="Trebuchet MS"/>
-              </a:rPr>
-              <a:t>I</a:t>
-            </a:r>
-            <a:r>
-              <a:rPr sz="1800" spc="-15" dirty="0">
-                <a:latin typeface="Trebuchet MS"/>
-                <a:cs typeface="Trebuchet MS"/>
-              </a:rPr>
-              <a:t> </a:t>
-            </a:r>
-            <a:r>
-              <a:rPr sz="1800" spc="-5" dirty="0">
-                <a:latin typeface="Trebuchet MS"/>
-                <a:cs typeface="Trebuchet MS"/>
-              </a:rPr>
-              <a:t>hope</a:t>
-            </a:r>
-            <a:r>
-              <a:rPr sz="1800" dirty="0">
-                <a:latin typeface="Trebuchet MS"/>
-                <a:cs typeface="Trebuchet MS"/>
-              </a:rPr>
-              <a:t> </a:t>
-            </a:r>
-            <a:r>
-              <a:rPr sz="1800" spc="-5" dirty="0">
-                <a:latin typeface="Trebuchet MS"/>
-                <a:cs typeface="Trebuchet MS"/>
-              </a:rPr>
-              <a:t>to</a:t>
-            </a:r>
-            <a:r>
-              <a:rPr sz="1800" spc="-15" dirty="0">
-                <a:latin typeface="Trebuchet MS"/>
-                <a:cs typeface="Trebuchet MS"/>
-              </a:rPr>
-              <a:t> </a:t>
-            </a:r>
-            <a:r>
-              <a:rPr sz="1800" spc="-5" dirty="0">
-                <a:latin typeface="Trebuchet MS"/>
-                <a:cs typeface="Trebuchet MS"/>
-              </a:rPr>
-              <a:t>deepen </a:t>
-            </a:r>
-            <a:r>
-              <a:rPr sz="1800" dirty="0">
-                <a:latin typeface="Trebuchet MS"/>
-                <a:cs typeface="Trebuchet MS"/>
-              </a:rPr>
-              <a:t>my</a:t>
-            </a:r>
-            <a:r>
-              <a:rPr sz="1800" spc="-5" dirty="0">
-                <a:latin typeface="Trebuchet MS"/>
-                <a:cs typeface="Trebuchet MS"/>
-              </a:rPr>
-              <a:t> experience in</a:t>
-            </a:r>
-            <a:r>
-              <a:rPr sz="1800" dirty="0">
-                <a:latin typeface="Trebuchet MS"/>
-                <a:cs typeface="Trebuchet MS"/>
-              </a:rPr>
-              <a:t> </a:t>
-            </a:r>
-            <a:r>
-              <a:rPr sz="1800" spc="-5" dirty="0">
-                <a:latin typeface="Trebuchet MS"/>
-                <a:cs typeface="Trebuchet MS"/>
-              </a:rPr>
-              <a:t>this industry</a:t>
-            </a:r>
-            <a:r>
-              <a:rPr sz="1800" spc="-20" dirty="0">
-                <a:latin typeface="Trebuchet MS"/>
-                <a:cs typeface="Trebuchet MS"/>
-              </a:rPr>
-              <a:t> </a:t>
-            </a:r>
-            <a:r>
-              <a:rPr sz="1800" spc="-5" dirty="0">
-                <a:latin typeface="Trebuchet MS"/>
-                <a:cs typeface="Trebuchet MS"/>
-              </a:rPr>
-              <a:t>and</a:t>
-            </a:r>
-            <a:r>
-              <a:rPr sz="1800" spc="5" dirty="0">
-                <a:latin typeface="Trebuchet MS"/>
-                <a:cs typeface="Trebuchet MS"/>
-              </a:rPr>
-              <a:t> </a:t>
-            </a:r>
-            <a:r>
-              <a:rPr sz="1800" spc="-5" dirty="0">
-                <a:latin typeface="Trebuchet MS"/>
-                <a:cs typeface="Trebuchet MS"/>
-              </a:rPr>
-              <a:t>be</a:t>
-            </a:r>
-            <a:endParaRPr sz="1800">
-              <a:latin typeface="Trebuchet MS"/>
-              <a:cs typeface="Trebuchet MS"/>
-            </a:endParaRPr>
-          </a:p>
-          <a:p>
-            <a:pPr marL="12700">
-              <a:lnSpc>
-                <a:spcPct val="100000"/>
-              </a:lnSpc>
-              <a:spcBef>
-                <a:spcPts val="1080"/>
-              </a:spcBef>
-            </a:pPr>
-            <a:r>
-              <a:rPr sz="1800" dirty="0">
-                <a:latin typeface="Trebuchet MS"/>
-                <a:cs typeface="Trebuchet MS"/>
-              </a:rPr>
-              <a:t>seen</a:t>
-            </a:r>
-            <a:r>
-              <a:rPr sz="1800" spc="-40" dirty="0">
-                <a:latin typeface="Trebuchet MS"/>
-                <a:cs typeface="Trebuchet MS"/>
-              </a:rPr>
-              <a:t> </a:t>
-            </a:r>
-            <a:r>
-              <a:rPr sz="1800" dirty="0">
-                <a:latin typeface="Trebuchet MS"/>
-                <a:cs typeface="Trebuchet MS"/>
-              </a:rPr>
-              <a:t>as</a:t>
-            </a:r>
-            <a:r>
-              <a:rPr sz="1800" spc="-40" dirty="0">
-                <a:latin typeface="Trebuchet MS"/>
-                <a:cs typeface="Trebuchet MS"/>
-              </a:rPr>
-              <a:t> </a:t>
-            </a:r>
-            <a:r>
-              <a:rPr sz="1800" dirty="0">
-                <a:latin typeface="Trebuchet MS"/>
-                <a:cs typeface="Trebuchet MS"/>
-              </a:rPr>
-              <a:t>an</a:t>
-            </a:r>
-            <a:r>
-              <a:rPr sz="1800" spc="-10" dirty="0">
-                <a:latin typeface="Trebuchet MS"/>
-                <a:cs typeface="Trebuchet MS"/>
-              </a:rPr>
-              <a:t> </a:t>
-            </a:r>
-            <a:r>
-              <a:rPr sz="1800" spc="-5" dirty="0">
-                <a:latin typeface="Trebuchet MS"/>
-                <a:cs typeface="Trebuchet MS"/>
-              </a:rPr>
-              <a:t>expert.</a:t>
-            </a:r>
-            <a:endParaRPr sz="1800">
-              <a:latin typeface="Trebuchet MS"/>
-              <a:cs typeface="Trebuchet MS"/>
-            </a:endParaRPr>
-          </a:p>
-        </p:txBody>
-      </p:sp>
-      <p:sp>
-        <p:nvSpPr>
           <p:cNvPr id="5" name="object 5"/>
           <p:cNvSpPr txBox="1"/>
           <p:nvPr/>
         </p:nvSpPr>
         <p:spPr>
           <a:xfrm>
-            <a:off x="72000" y="2143125"/>
+            <a:off x="71755" y="533400"/>
             <a:ext cx="9000490" cy="571500"/>
           </a:xfrm>
           <a:prstGeom prst="rect">
@@ -3715,8 +2670,8 @@
         </p:nvSpPr>
         <p:spPr>
           <a:xfrm>
-            <a:off x="72000" y="2928962"/>
-            <a:ext cx="9000490" cy="3429000"/>
+            <a:off x="71755" y="1295400"/>
+            <a:ext cx="9000490" cy="2209800"/>
           </a:xfrm>
           <a:custGeom>
             <a:avLst/>
@@ -3753,7 +2708,62 @@
           <a:bodyPr wrap="square" lIns="0" tIns="0" rIns="0" bIns="0" rtlCol="0"/>
           <a:lstStyle/>
           <a:p>
-            <a:endParaRPr/>
+            <a:endParaRPr lang="en-US" dirty="0" smtClean="0"/>
+          </a:p>
+          <a:p>
+            <a:r>
+              <a:rPr lang="en-US" b="1" dirty="0" smtClean="0">
+                <a:latin typeface="Trebuchet MS"/>
+                <a:cs typeface="Trebuchet MS"/>
+              </a:rPr>
+              <a:t>Answer</a:t>
+            </a:r>
+            <a:r>
+              <a:rPr lang="en-US" b="1" spc="-5" dirty="0" smtClean="0">
+                <a:latin typeface="Trebuchet MS"/>
+                <a:cs typeface="Trebuchet MS"/>
+              </a:rPr>
+              <a:t> </a:t>
+            </a:r>
+            <a:r>
+              <a:rPr lang="en-US" b="1" dirty="0" smtClean="0">
+                <a:latin typeface="Trebuchet MS"/>
+                <a:cs typeface="Trebuchet MS"/>
+              </a:rPr>
+              <a:t>:- </a:t>
+            </a:r>
+            <a:r>
+              <a:rPr lang="en-US" b="1" dirty="0" smtClean="0">
+                <a:latin typeface="Trebuchet MS"/>
+                <a:cs typeface="Trebuchet MS"/>
+              </a:rPr>
+              <a:t>  </a:t>
+            </a:r>
+            <a:r>
+              <a:rPr lang="en-US" dirty="0" smtClean="0"/>
+              <a:t>My </a:t>
+            </a:r>
+            <a:r>
+              <a:rPr lang="en-US" dirty="0" smtClean="0"/>
+              <a:t>short term goal is achieve relevant certificate. Gain practical experience.</a:t>
+            </a:r>
+          </a:p>
+          <a:p>
+            <a:r>
+              <a:rPr lang="en-US" dirty="0" smtClean="0"/>
+              <a:t>Learn new skills. After that I want to contribute time and hard working and gain skills and knowledge of my field. </a:t>
+            </a:r>
+            <a:endParaRPr lang="en-US" dirty="0" smtClean="0"/>
+          </a:p>
+          <a:p>
+            <a:endParaRPr lang="en-US" dirty="0" smtClean="0"/>
+          </a:p>
+          <a:p>
+            <a:r>
+              <a:rPr lang="en-US" dirty="0" smtClean="0"/>
+              <a:t>Secure my role in high  profile company, maintain open source project, learn advance technologies. Attain leadership position such as IT manager.</a:t>
+            </a:r>
+            <a:endParaRPr lang="en-US" dirty="0"/>
           </a:p>
         </p:txBody>
       </p:sp>
@@ -3786,28 +2796,7 @@
                 <a:spcPts val="100"/>
               </a:spcBef>
             </a:pPr>
-            <a:r>
-              <a:rPr sz="1800" b="1" spc="-5" dirty="0">
-                <a:latin typeface="Trebuchet MS"/>
-                <a:cs typeface="Trebuchet MS"/>
-              </a:rPr>
-              <a:t>Answer</a:t>
-            </a:r>
-            <a:r>
-              <a:rPr sz="1800" b="1" spc="-65" dirty="0">
-                <a:latin typeface="Trebuchet MS"/>
-                <a:cs typeface="Trebuchet MS"/>
-              </a:rPr>
-              <a:t> </a:t>
-            </a:r>
-            <a:r>
-              <a:rPr sz="1800" b="1" dirty="0">
-                <a:latin typeface="Trebuchet MS"/>
-                <a:cs typeface="Trebuchet MS"/>
-              </a:rPr>
-              <a:t>:-</a:t>
-            </a:r>
-            <a:endParaRPr sz="1800">
+            <a:endParaRPr sz="1800" dirty="0">
               <a:latin typeface="Trebuchet MS"/>
               <a:cs typeface="Trebuchet MS"/>
             </a:endParaRPr>
@@ -3823,7 +2812,7 @@
         <p:spPr>
           <a:xfrm>
             <a:off x="1650619" y="3134568"/>
-            <a:ext cx="6913245" cy="2907030"/>
+            <a:ext cx="6913245" cy="428322"/>
           </a:xfrm>
           <a:prstGeom prst="rect">
             <a:avLst/>
@@ -3843,531 +2832,7 @@
                 <a:spcPts val="1180"/>
               </a:spcBef>
             </a:pPr>
-            <a:r>
-              <a:rPr sz="1800" spc="-5" dirty="0">
-                <a:latin typeface="Trebuchet MS"/>
-                <a:cs typeface="Trebuchet MS"/>
-              </a:rPr>
-              <a:t>My</a:t>
-            </a:r>
-            <a:r>
-              <a:rPr sz="1800" spc="-10" dirty="0">
-                <a:latin typeface="Trebuchet MS"/>
-                <a:cs typeface="Trebuchet MS"/>
-              </a:rPr>
-              <a:t> </a:t>
-            </a:r>
-            <a:r>
-              <a:rPr sz="1800" spc="-5" dirty="0">
-                <a:latin typeface="Trebuchet MS"/>
-                <a:cs typeface="Trebuchet MS"/>
-              </a:rPr>
-              <a:t>highlight</a:t>
-            </a:r>
-            <a:r>
-              <a:rPr sz="1800" spc="-15" dirty="0">
-                <a:latin typeface="Trebuchet MS"/>
-                <a:cs typeface="Trebuchet MS"/>
-              </a:rPr>
-              <a:t> </a:t>
-            </a:r>
-            <a:r>
-              <a:rPr sz="1800" dirty="0">
-                <a:latin typeface="Trebuchet MS"/>
-                <a:cs typeface="Trebuchet MS"/>
-              </a:rPr>
-              <a:t>specific</a:t>
-            </a:r>
-            <a:r>
-              <a:rPr sz="1800" spc="-25" dirty="0">
-                <a:latin typeface="Trebuchet MS"/>
-                <a:cs typeface="Trebuchet MS"/>
-              </a:rPr>
-              <a:t> </a:t>
-            </a:r>
-            <a:r>
-              <a:rPr sz="1800" spc="-5" dirty="0">
-                <a:latin typeface="Trebuchet MS"/>
-                <a:cs typeface="Trebuchet MS"/>
-              </a:rPr>
-              <a:t>goals</a:t>
-            </a:r>
-            <a:r>
-              <a:rPr sz="1800" spc="-25" dirty="0">
-                <a:latin typeface="Trebuchet MS"/>
-                <a:cs typeface="Trebuchet MS"/>
-              </a:rPr>
-              <a:t> </a:t>
-            </a:r>
-            <a:r>
-              <a:rPr sz="1800" spc="-5" dirty="0">
-                <a:latin typeface="Trebuchet MS"/>
-                <a:cs typeface="Trebuchet MS"/>
-              </a:rPr>
-              <a:t>are</a:t>
-            </a:r>
-            <a:r>
-              <a:rPr sz="1800" spc="-10" dirty="0">
-                <a:latin typeface="Trebuchet MS"/>
-                <a:cs typeface="Trebuchet MS"/>
-              </a:rPr>
-              <a:t> </a:t>
-            </a:r>
-            <a:r>
-              <a:rPr sz="1800" spc="-5" dirty="0">
-                <a:latin typeface="Trebuchet MS"/>
-                <a:cs typeface="Trebuchet MS"/>
-              </a:rPr>
-              <a:t>as</a:t>
-            </a:r>
-            <a:r>
-              <a:rPr sz="1800" spc="-10" dirty="0">
-                <a:latin typeface="Trebuchet MS"/>
-                <a:cs typeface="Trebuchet MS"/>
-              </a:rPr>
-              <a:t> follows.</a:t>
-            </a:r>
-            <a:endParaRPr sz="1800">
-              <a:latin typeface="Trebuchet MS"/>
-              <a:cs typeface="Trebuchet MS"/>
-            </a:endParaRPr>
-          </a:p>
-          <a:p>
-            <a:pPr marL="40005" marR="5080" indent="-27940">
-              <a:lnSpc>
-                <a:spcPct val="150000"/>
-              </a:lnSpc>
-            </a:pPr>
-            <a:r>
-              <a:rPr sz="1800" spc="-30" dirty="0">
-                <a:latin typeface="Trebuchet MS"/>
-                <a:cs typeface="Trebuchet MS"/>
-              </a:rPr>
-              <a:t>Web</a:t>
-            </a:r>
-            <a:r>
-              <a:rPr sz="1800" spc="5" dirty="0">
-                <a:latin typeface="Trebuchet MS"/>
-                <a:cs typeface="Trebuchet MS"/>
-              </a:rPr>
-              <a:t> </a:t>
-            </a:r>
-            <a:r>
-              <a:rPr sz="1800" dirty="0">
-                <a:latin typeface="Trebuchet MS"/>
-                <a:cs typeface="Trebuchet MS"/>
-              </a:rPr>
-              <a:t>designers</a:t>
-            </a:r>
-            <a:r>
-              <a:rPr sz="1800" spc="-15" dirty="0">
-                <a:latin typeface="Trebuchet MS"/>
-                <a:cs typeface="Trebuchet MS"/>
-              </a:rPr>
-              <a:t> </a:t>
-            </a:r>
-            <a:r>
-              <a:rPr sz="1800" dirty="0">
-                <a:latin typeface="Trebuchet MS"/>
-                <a:cs typeface="Trebuchet MS"/>
-              </a:rPr>
-              <a:t>will</a:t>
-            </a:r>
-            <a:r>
-              <a:rPr sz="1800" spc="-30" dirty="0">
-                <a:latin typeface="Trebuchet MS"/>
-                <a:cs typeface="Trebuchet MS"/>
-              </a:rPr>
-              <a:t> </a:t>
-            </a:r>
-            <a:r>
-              <a:rPr sz="1800" spc="-5" dirty="0">
-                <a:latin typeface="Trebuchet MS"/>
-                <a:cs typeface="Trebuchet MS"/>
-              </a:rPr>
-              <a:t>earn</a:t>
-            </a:r>
-            <a:r>
-              <a:rPr sz="1800" spc="5" dirty="0">
-                <a:latin typeface="Trebuchet MS"/>
-                <a:cs typeface="Trebuchet MS"/>
-              </a:rPr>
-              <a:t> </a:t>
-            </a:r>
-            <a:r>
-              <a:rPr sz="1800" spc="-10" dirty="0">
-                <a:latin typeface="Trebuchet MS"/>
-                <a:cs typeface="Trebuchet MS"/>
-              </a:rPr>
-              <a:t>certifications</a:t>
-            </a:r>
-            <a:r>
-              <a:rPr sz="1800" spc="15" dirty="0">
-                <a:latin typeface="Trebuchet MS"/>
-                <a:cs typeface="Trebuchet MS"/>
-              </a:rPr>
-              <a:t> </a:t>
-            </a:r>
-            <a:r>
-              <a:rPr sz="1800" spc="-5" dirty="0">
-                <a:latin typeface="Trebuchet MS"/>
-                <a:cs typeface="Trebuchet MS"/>
-              </a:rPr>
-              <a:t>to</a:t>
-            </a:r>
-            <a:r>
-              <a:rPr sz="1800" spc="-15" dirty="0">
-                <a:latin typeface="Trebuchet MS"/>
-                <a:cs typeface="Trebuchet MS"/>
-              </a:rPr>
-              <a:t> </a:t>
-            </a:r>
-            <a:r>
-              <a:rPr sz="1800" spc="-5" dirty="0">
-                <a:latin typeface="Trebuchet MS"/>
-                <a:cs typeface="Trebuchet MS"/>
-              </a:rPr>
-              <a:t>improve</a:t>
-            </a:r>
-            <a:r>
-              <a:rPr sz="1800" spc="10" dirty="0">
-                <a:latin typeface="Trebuchet MS"/>
-                <a:cs typeface="Trebuchet MS"/>
-              </a:rPr>
-              <a:t> </a:t>
-            </a:r>
-            <a:r>
-              <a:rPr sz="1800" spc="-5" dirty="0">
-                <a:latin typeface="Trebuchet MS"/>
-                <a:cs typeface="Trebuchet MS"/>
-              </a:rPr>
-              <a:t>their</a:t>
-            </a:r>
-            <a:r>
-              <a:rPr sz="1800" spc="5" dirty="0">
-                <a:latin typeface="Trebuchet MS"/>
-                <a:cs typeface="Trebuchet MS"/>
-              </a:rPr>
-              <a:t> </a:t>
-            </a:r>
-            <a:r>
-              <a:rPr sz="1800" spc="-5" dirty="0">
-                <a:latin typeface="Trebuchet MS"/>
-                <a:cs typeface="Trebuchet MS"/>
-              </a:rPr>
-              <a:t>skill</a:t>
-            </a:r>
-            <a:r>
-              <a:rPr sz="1800" spc="-25" dirty="0">
-                <a:latin typeface="Trebuchet MS"/>
-                <a:cs typeface="Trebuchet MS"/>
-              </a:rPr>
-              <a:t> </a:t>
-            </a:r>
-            <a:r>
-              <a:rPr sz="1800" dirty="0">
-                <a:latin typeface="Trebuchet MS"/>
-                <a:cs typeface="Trebuchet MS"/>
-              </a:rPr>
-              <a:t>set</a:t>
-            </a:r>
-            <a:r>
-              <a:rPr sz="1800" spc="-10" dirty="0">
-                <a:latin typeface="Trebuchet MS"/>
-                <a:cs typeface="Trebuchet MS"/>
-              </a:rPr>
-              <a:t> </a:t>
-            </a:r>
-            <a:r>
-              <a:rPr sz="1800" spc="-5" dirty="0">
-                <a:latin typeface="Trebuchet MS"/>
-                <a:cs typeface="Trebuchet MS"/>
-              </a:rPr>
-              <a:t>and </a:t>
-            </a:r>
-            <a:r>
-              <a:rPr sz="1800" spc="-525" dirty="0">
-                <a:latin typeface="Trebuchet MS"/>
-                <a:cs typeface="Trebuchet MS"/>
-              </a:rPr>
-              <a:t> </a:t>
-            </a:r>
-            <a:r>
-              <a:rPr sz="1800" spc="-5" dirty="0">
-                <a:latin typeface="Trebuchet MS"/>
-                <a:cs typeface="Trebuchet MS"/>
-              </a:rPr>
-              <a:t>prove</a:t>
-            </a:r>
-            <a:r>
-              <a:rPr sz="1800" dirty="0">
-                <a:latin typeface="Trebuchet MS"/>
-                <a:cs typeface="Trebuchet MS"/>
-              </a:rPr>
-              <a:t> </a:t>
-            </a:r>
-            <a:r>
-              <a:rPr sz="1800" spc="-5" dirty="0">
-                <a:latin typeface="Trebuchet MS"/>
-                <a:cs typeface="Trebuchet MS"/>
-              </a:rPr>
-              <a:t>their</a:t>
-            </a:r>
-            <a:r>
-              <a:rPr sz="1800" spc="5" dirty="0">
-                <a:latin typeface="Trebuchet MS"/>
-                <a:cs typeface="Trebuchet MS"/>
-              </a:rPr>
-              <a:t> </a:t>
-            </a:r>
-            <a:r>
-              <a:rPr sz="1800" spc="-5" dirty="0">
-                <a:latin typeface="Trebuchet MS"/>
-                <a:cs typeface="Trebuchet MS"/>
-              </a:rPr>
-              <a:t>abilities.</a:t>
-            </a:r>
-            <a:endParaRPr sz="1800">
-              <a:latin typeface="Trebuchet MS"/>
-              <a:cs typeface="Trebuchet MS"/>
-            </a:endParaRPr>
-          </a:p>
-          <a:p>
-            <a:pPr marL="200660" indent="-188595">
-              <a:lnSpc>
-                <a:spcPct val="100000"/>
-              </a:lnSpc>
-              <a:spcBef>
-                <a:spcPts val="1080"/>
-              </a:spcBef>
-              <a:buChar char="•"/>
-              <a:tabLst>
-                <a:tab pos="201295" algn="l"/>
-              </a:tabLst>
-            </a:pPr>
-            <a:r>
-              <a:rPr sz="1800" spc="-5" dirty="0">
-                <a:latin typeface="Trebuchet MS"/>
-                <a:cs typeface="Trebuchet MS"/>
-              </a:rPr>
-              <a:t>Learning</a:t>
-            </a:r>
-            <a:r>
-              <a:rPr sz="1800" spc="-10" dirty="0">
-                <a:latin typeface="Trebuchet MS"/>
-                <a:cs typeface="Trebuchet MS"/>
-              </a:rPr>
-              <a:t> </a:t>
-            </a:r>
-            <a:r>
-              <a:rPr sz="1800" dirty="0">
-                <a:latin typeface="Trebuchet MS"/>
-                <a:cs typeface="Trebuchet MS"/>
-              </a:rPr>
-              <a:t>a</a:t>
-            </a:r>
-            <a:r>
-              <a:rPr sz="1800" spc="-20" dirty="0">
-                <a:latin typeface="Trebuchet MS"/>
-                <a:cs typeface="Trebuchet MS"/>
-              </a:rPr>
-              <a:t> </a:t>
-            </a:r>
-            <a:r>
-              <a:rPr sz="1800" spc="-5" dirty="0">
-                <a:latin typeface="Trebuchet MS"/>
-                <a:cs typeface="Trebuchet MS"/>
-              </a:rPr>
-              <a:t>new</a:t>
-            </a:r>
-            <a:r>
-              <a:rPr sz="1800" spc="-10" dirty="0">
-                <a:latin typeface="Trebuchet MS"/>
-                <a:cs typeface="Trebuchet MS"/>
-              </a:rPr>
-              <a:t> </a:t>
-            </a:r>
-            <a:r>
-              <a:rPr sz="1800" spc="-5" dirty="0">
-                <a:latin typeface="Trebuchet MS"/>
-                <a:cs typeface="Trebuchet MS"/>
-              </a:rPr>
-              <a:t>programming</a:t>
-            </a:r>
-            <a:r>
-              <a:rPr sz="1800" spc="-15" dirty="0">
-                <a:latin typeface="Trebuchet MS"/>
-                <a:cs typeface="Trebuchet MS"/>
-              </a:rPr>
-              <a:t> </a:t>
-            </a:r>
-            <a:r>
-              <a:rPr sz="1800" dirty="0">
-                <a:latin typeface="Trebuchet MS"/>
-                <a:cs typeface="Trebuchet MS"/>
-              </a:rPr>
-              <a:t>language.</a:t>
-            </a:r>
-            <a:endParaRPr sz="1800">
-              <a:latin typeface="Trebuchet MS"/>
-              <a:cs typeface="Trebuchet MS"/>
-            </a:endParaRPr>
-          </a:p>
-          <a:p>
-            <a:pPr marL="200660" indent="-188595">
-              <a:lnSpc>
-                <a:spcPct val="100000"/>
-              </a:lnSpc>
-              <a:spcBef>
-                <a:spcPts val="1085"/>
-              </a:spcBef>
-              <a:buChar char="•"/>
-              <a:tabLst>
-                <a:tab pos="201295" algn="l"/>
-              </a:tabLst>
-            </a:pPr>
-            <a:r>
-              <a:rPr sz="1800" spc="-5" dirty="0">
-                <a:latin typeface="Trebuchet MS"/>
-                <a:cs typeface="Trebuchet MS"/>
-              </a:rPr>
-              <a:t>Learning</a:t>
-            </a:r>
-            <a:r>
-              <a:rPr sz="1800" spc="-25" dirty="0">
-                <a:latin typeface="Trebuchet MS"/>
-                <a:cs typeface="Trebuchet MS"/>
-              </a:rPr>
-              <a:t> </a:t>
-            </a:r>
-            <a:r>
-              <a:rPr sz="1800" spc="-5" dirty="0">
-                <a:latin typeface="Trebuchet MS"/>
-                <a:cs typeface="Trebuchet MS"/>
-              </a:rPr>
-              <a:t>new</a:t>
-            </a:r>
-            <a:r>
-              <a:rPr sz="1800" spc="-20" dirty="0">
-                <a:latin typeface="Trebuchet MS"/>
-                <a:cs typeface="Trebuchet MS"/>
-              </a:rPr>
-              <a:t> </a:t>
-            </a:r>
-            <a:r>
-              <a:rPr sz="1800" spc="-25" dirty="0">
-                <a:latin typeface="Trebuchet MS"/>
-                <a:cs typeface="Trebuchet MS"/>
-              </a:rPr>
-              <a:t>technology.</a:t>
-            </a:r>
-            <a:endParaRPr sz="1800">
-              <a:latin typeface="Trebuchet MS"/>
-              <a:cs typeface="Trebuchet MS"/>
-            </a:endParaRPr>
-          </a:p>
-          <a:p>
-            <a:pPr marL="200660" indent="-188595">
-              <a:lnSpc>
-                <a:spcPct val="100000"/>
-              </a:lnSpc>
-              <a:spcBef>
-                <a:spcPts val="1080"/>
-              </a:spcBef>
-              <a:buChar char="•"/>
-              <a:tabLst>
-                <a:tab pos="201295" algn="l"/>
-              </a:tabLst>
-            </a:pPr>
-            <a:r>
-              <a:rPr sz="1800" spc="-5" dirty="0">
-                <a:latin typeface="Trebuchet MS"/>
-                <a:cs typeface="Trebuchet MS"/>
-              </a:rPr>
-              <a:t>Leading</a:t>
-            </a:r>
-            <a:r>
-              <a:rPr sz="1800" spc="-30" dirty="0">
-                <a:latin typeface="Trebuchet MS"/>
-                <a:cs typeface="Trebuchet MS"/>
-              </a:rPr>
-              <a:t> </a:t>
-            </a:r>
-            <a:r>
-              <a:rPr sz="1800" dirty="0">
-                <a:latin typeface="Trebuchet MS"/>
-                <a:cs typeface="Trebuchet MS"/>
-              </a:rPr>
-              <a:t>a</a:t>
-            </a:r>
-            <a:r>
-              <a:rPr sz="1800" spc="-25" dirty="0">
-                <a:latin typeface="Trebuchet MS"/>
-                <a:cs typeface="Trebuchet MS"/>
-              </a:rPr>
-              <a:t> </a:t>
-            </a:r>
-            <a:r>
-              <a:rPr sz="1800" spc="-5" dirty="0">
-                <a:latin typeface="Trebuchet MS"/>
-                <a:cs typeface="Trebuchet MS"/>
-              </a:rPr>
-              <a:t>team.</a:t>
-            </a:r>
-            <a:endParaRPr sz="1800">
-              <a:latin typeface="Trebuchet MS"/>
-              <a:cs typeface="Trebuchet MS"/>
-            </a:endParaRPr>
-          </a:p>
-          <a:p>
-            <a:pPr marL="200660" indent="-188595">
-              <a:lnSpc>
-                <a:spcPct val="100000"/>
-              </a:lnSpc>
-              <a:spcBef>
-                <a:spcPts val="1080"/>
-              </a:spcBef>
-              <a:buChar char="•"/>
-              <a:tabLst>
-                <a:tab pos="201295" algn="l"/>
-              </a:tabLst>
-            </a:pPr>
-            <a:r>
-              <a:rPr sz="1800" dirty="0">
-                <a:latin typeface="Trebuchet MS"/>
-                <a:cs typeface="Trebuchet MS"/>
-              </a:rPr>
-              <a:t>Earn</a:t>
-            </a:r>
-            <a:r>
-              <a:rPr sz="1800" spc="-30" dirty="0">
-                <a:latin typeface="Trebuchet MS"/>
-                <a:cs typeface="Trebuchet MS"/>
-              </a:rPr>
-              <a:t> </a:t>
-            </a:r>
-            <a:r>
-              <a:rPr sz="1800" dirty="0">
-                <a:latin typeface="Trebuchet MS"/>
-                <a:cs typeface="Trebuchet MS"/>
-              </a:rPr>
-              <a:t>a</a:t>
-            </a:r>
-            <a:r>
-              <a:rPr sz="1800" spc="-30" dirty="0">
-                <a:latin typeface="Trebuchet MS"/>
-                <a:cs typeface="Trebuchet MS"/>
-              </a:rPr>
-              <a:t> </a:t>
-            </a:r>
-            <a:r>
-              <a:rPr sz="1800" spc="-5" dirty="0">
-                <a:latin typeface="Trebuchet MS"/>
-                <a:cs typeface="Trebuchet MS"/>
-              </a:rPr>
-              <a:t>promotion</a:t>
-            </a:r>
-            <a:endParaRPr sz="1800">
+            <a:endParaRPr sz="1800" dirty="0">
               <a:latin typeface="Trebuchet MS"/>
               <a:cs typeface="Trebuchet MS"/>
             </a:endParaRPr>
